--- a/DSA mini project presentation.pptx
+++ b/DSA mini project presentation.pptx
@@ -11866,13 +11866,13 @@
           <a:p>
             <a:r>
               <a:rPr lang="en-IN" dirty="0"/>
-              <a:t>Time: Best 𝑂(𝑛)O(n), Average 𝑂(𝑛2)O(n 2 ), Worst 𝑂(𝑛2)O(n 2 )</a:t>
+              <a:t>Time: Best 𝑂(𝑛), Average 𝑂(𝑛2), Worst 𝑂(𝑛2)</a:t>
             </a:r>
           </a:p>
           <a:p>
             <a:r>
               <a:rPr lang="en-IN" dirty="0"/>
-              <a:t>Space: 𝑂(1)O(1) (in-place)</a:t>
+              <a:t>Space: O(1) (in-place)</a:t>
             </a:r>
           </a:p>
           <a:p>
@@ -11884,13 +11884,13 @@
           <a:p>
             <a:r>
               <a:rPr lang="en-IN" dirty="0"/>
-              <a:t>Time: Best, Average, Worst 𝑂(𝑛2)O(n 2 )</a:t>
+              <a:t>Time: Best, Average, Worst 𝑂(𝑛2)</a:t>
             </a:r>
           </a:p>
           <a:p>
             <a:r>
               <a:rPr lang="en-IN" dirty="0"/>
-              <a:t>Space: 𝑂(1)O(1) (in-place)</a:t>
+              <a:t>Space: 𝑂(1)(in-place)</a:t>
             </a:r>
           </a:p>
           <a:p>
@@ -11902,13 +11902,13 @@
           <a:p>
             <a:r>
               <a:rPr lang="en-IN" dirty="0"/>
-              <a:t>Time: Best 𝑂(𝑛)O(n), Average 𝑂(𝑛2)O(n 2 ), Worst 𝑂(𝑛2)O(n 2 )</a:t>
+              <a:t>Time: Best 𝑂(𝑛), Average 𝑂(𝑛2), Worst 𝑂(𝑛2)</a:t>
             </a:r>
           </a:p>
           <a:p>
             <a:r>
               <a:rPr lang="en-IN" dirty="0"/>
-              <a:t>Space: 𝑂(1)O(1) (in-place)</a:t>
+              <a:t>Space: 𝑂(1) (in-place)</a:t>
             </a:r>
           </a:p>
           <a:p>
@@ -11920,21 +11920,13 @@
           <a:p>
             <a:r>
               <a:rPr lang="en-IN" dirty="0"/>
-              <a:t>Time: Best, Average, Worst 𝑂(𝑛log⁡𝑛)O(</a:t>
-            </a:r>
-            <a:r>
-              <a:rPr lang="en-IN" dirty="0" err="1"/>
-              <a:t>nlogn</a:t>
-            </a:r>
+              <a:t>Time: Best, Average, Worst 𝑂(𝑛log⁡𝑛)</a:t>
+            </a:r>
+          </a:p>
+          <a:p>
             <a:r>
               <a:rPr lang="en-IN" dirty="0"/>
-              <a:t>)</a:t>
-            </a:r>
-          </a:p>
-          <a:p>
-            <a:r>
-              <a:rPr lang="en-IN" dirty="0"/>
-              <a:t>Space: 𝑂(𝑛)O(n) (additional array space)</a:t>
+              <a:t>Space: 𝑂(𝑛) (additional array space)</a:t>
             </a:r>
           </a:p>
         </p:txBody>
@@ -11954,7 +11946,7 @@
         <p:spPr>
           <a:xfrm>
             <a:off x="5297430" y="1529500"/>
-            <a:ext cx="3784821" cy="2677656"/>
+            <a:ext cx="3784821" cy="2462213"/>
           </a:xfrm>
           <a:prstGeom prst="rect">
             <a:avLst/>
@@ -11975,21 +11967,13 @@
           <a:p>
             <a:r>
               <a:rPr lang="en-IN" dirty="0"/>
-              <a:t>Time: Best, Average, Worst 𝑂(𝑛log⁡𝑛)O(</a:t>
-            </a:r>
-            <a:r>
-              <a:rPr lang="en-IN" dirty="0" err="1"/>
-              <a:t>nlogn</a:t>
-            </a:r>
+              <a:t>Time: Best, Average, Worst 𝑂(𝑛log⁡𝑛)</a:t>
+            </a:r>
+          </a:p>
+          <a:p>
             <a:r>
               <a:rPr lang="en-IN" dirty="0"/>
-              <a:t>)</a:t>
-            </a:r>
-          </a:p>
-          <a:p>
-            <a:r>
-              <a:rPr lang="en-IN" dirty="0"/>
-              <a:t>Space: 𝑂(1)O(1) (in-place)</a:t>
+              <a:t>Space: 𝑂(1) (in-place)</a:t>
             </a:r>
           </a:p>
           <a:p>
@@ -12001,29 +11985,13 @@
           <a:p>
             <a:r>
               <a:rPr lang="en-IN" dirty="0"/>
-              <a:t>Time: 𝑂(𝑑⋅(𝑛+𝑏))O(d⋅(</a:t>
-            </a:r>
-            <a:r>
-              <a:rPr lang="en-IN" dirty="0" err="1"/>
-              <a:t>n+b</a:t>
-            </a:r>
+              <a:t>Time: 𝑂(𝑑⋅(𝑛+𝑏)) where 𝑑d is digit length and 𝑏b is base (commonly 10)</a:t>
+            </a:r>
+          </a:p>
+          <a:p>
             <a:r>
               <a:rPr lang="en-IN" dirty="0"/>
-              <a:t>)) where 𝑑d is digit length and 𝑏b is base (commonly 10)</a:t>
-            </a:r>
-          </a:p>
-          <a:p>
-            <a:r>
-              <a:rPr lang="en-IN" dirty="0"/>
-              <a:t>Space: 𝑂(𝑛+𝑏)O(</a:t>
-            </a:r>
-            <a:r>
-              <a:rPr lang="en-IN" dirty="0" err="1"/>
-              <a:t>n+b</a:t>
-            </a:r>
-            <a:r>
-              <a:rPr lang="en-IN" dirty="0"/>
-              <a:t>) (for counting array)</a:t>
+              <a:t>Space: 𝑂(𝑛+𝑏)O (for counting array)</a:t>
             </a:r>
           </a:p>
           <a:p>
@@ -12035,29 +12003,13 @@
           <a:p>
             <a:r>
               <a:rPr lang="en-IN" dirty="0"/>
-              <a:t>Time: Best, Average 𝑂(𝑛log⁡𝑛)O(</a:t>
-            </a:r>
-            <a:r>
-              <a:rPr lang="en-IN" dirty="0" err="1"/>
-              <a:t>nlogn</a:t>
-            </a:r>
+              <a:t>Time: Best, Average 𝑂(𝑛log⁡𝑛), Worst 𝑂(𝑛2)</a:t>
+            </a:r>
+          </a:p>
+          <a:p>
             <a:r>
               <a:rPr lang="en-IN" dirty="0"/>
-              <a:t>), Worst 𝑂(𝑛2)O(n 2 )</a:t>
-            </a:r>
-          </a:p>
-          <a:p>
-            <a:r>
-              <a:rPr lang="en-IN" dirty="0"/>
-              <a:t>Space: 𝑂(log⁡𝑛)O(</a:t>
-            </a:r>
-            <a:r>
-              <a:rPr lang="en-IN" dirty="0" err="1"/>
-              <a:t>logn</a:t>
-            </a:r>
-            <a:r>
-              <a:rPr lang="en-IN" dirty="0"/>
-              <a:t>) for recursive stack (in-place with partitioning)</a:t>
+              <a:t>Space: 𝑂(log⁡𝑛) for recursive stack (in-place with partitioning)</a:t>
             </a:r>
           </a:p>
         </p:txBody>
